--- a/랩미팅/201806/180604 Zurich Lock-In(Jong).pptx
+++ b/랩미팅/201806/180604 Zurich Lock-In(Jong).pptx
@@ -205,7 +205,7 @@
           <a:p>
             <a:fld id="{A9D6DECA-6E4E-4D09-9277-E151A2E3F74C}" type="datetimeFigureOut">
               <a:rPr lang="ko-KR" altLang="en-US" smtClean="0"/>
-              <a:t>2018-06-01</a:t>
+              <a:t>2018-06-04</a:t>
             </a:fld>
             <a:endParaRPr lang="ko-KR" altLang="en-US"/>
           </a:p>
@@ -1360,7 +1360,7 @@
           <a:p>
             <a:fld id="{78E89258-A40F-4400-BA1A-638141289729}" type="datetime1">
               <a:rPr lang="ko-KR" altLang="en-US" smtClean="0"/>
-              <a:t>2018-06-01</a:t>
+              <a:t>2018-06-04</a:t>
             </a:fld>
             <a:endParaRPr lang="ko-KR" altLang="en-US"/>
           </a:p>
@@ -1537,7 +1537,7 @@
           <a:p>
             <a:fld id="{CD116CEF-802E-43F7-8932-78519DF2A264}" type="datetime1">
               <a:rPr lang="ko-KR" altLang="en-US" smtClean="0"/>
-              <a:t>2018-06-01</a:t>
+              <a:t>2018-06-04</a:t>
             </a:fld>
             <a:endParaRPr lang="ko-KR" altLang="en-US"/>
           </a:p>
@@ -1717,7 +1717,7 @@
           <a:p>
             <a:fld id="{EFD9D7C3-1982-427D-BFA7-1AF9687AAB0F}" type="datetime1">
               <a:rPr lang="ko-KR" altLang="en-US" smtClean="0"/>
-              <a:t>2018-06-01</a:t>
+              <a:t>2018-06-04</a:t>
             </a:fld>
             <a:endParaRPr lang="ko-KR" altLang="en-US"/>
           </a:p>
@@ -1887,7 +1887,7 @@
           <a:p>
             <a:fld id="{EDD93E7F-B437-40E5-8ACB-B79696783EFA}" type="datetime1">
               <a:rPr lang="ko-KR" altLang="en-US" smtClean="0"/>
-              <a:t>2018-06-01</a:t>
+              <a:t>2018-06-04</a:t>
             </a:fld>
             <a:endParaRPr lang="ko-KR" altLang="en-US"/>
           </a:p>
@@ -2131,7 +2131,7 @@
           <a:p>
             <a:fld id="{DB249950-0BD4-4F6E-BE3F-CB53B7E2FD06}" type="datetime1">
               <a:rPr lang="ko-KR" altLang="en-US" smtClean="0"/>
-              <a:t>2018-06-01</a:t>
+              <a:t>2018-06-04</a:t>
             </a:fld>
             <a:endParaRPr lang="ko-KR" altLang="en-US"/>
           </a:p>
@@ -2363,7 +2363,7 @@
           <a:p>
             <a:fld id="{7B016D7E-32C0-4DB3-B6B3-0506A62840FB}" type="datetime1">
               <a:rPr lang="ko-KR" altLang="en-US" smtClean="0"/>
-              <a:t>2018-06-01</a:t>
+              <a:t>2018-06-04</a:t>
             </a:fld>
             <a:endParaRPr lang="ko-KR" altLang="en-US"/>
           </a:p>
@@ -2730,7 +2730,7 @@
           <a:p>
             <a:fld id="{B246672D-B3FD-4B2E-92C0-4A80DA670927}" type="datetime1">
               <a:rPr lang="ko-KR" altLang="en-US" smtClean="0"/>
-              <a:t>2018-06-01</a:t>
+              <a:t>2018-06-04</a:t>
             </a:fld>
             <a:endParaRPr lang="ko-KR" altLang="en-US"/>
           </a:p>
@@ -2848,7 +2848,7 @@
           <a:p>
             <a:fld id="{9B9B7D2E-B202-4D7A-9519-0C490A04EB9C}" type="datetime1">
               <a:rPr lang="ko-KR" altLang="en-US" smtClean="0"/>
-              <a:t>2018-06-01</a:t>
+              <a:t>2018-06-04</a:t>
             </a:fld>
             <a:endParaRPr lang="ko-KR" altLang="en-US"/>
           </a:p>
@@ -2943,7 +2943,7 @@
           <a:p>
             <a:fld id="{12FB9327-987E-47D6-AE2D-63CED8A79494}" type="datetime1">
               <a:rPr lang="ko-KR" altLang="en-US" smtClean="0"/>
-              <a:t>2018-06-01</a:t>
+              <a:t>2018-06-04</a:t>
             </a:fld>
             <a:endParaRPr lang="ko-KR" altLang="en-US"/>
           </a:p>
@@ -3220,7 +3220,7 @@
           <a:p>
             <a:fld id="{D8D87011-7294-4632-A156-4F695AB9E41C}" type="datetime1">
               <a:rPr lang="ko-KR" altLang="en-US" smtClean="0"/>
-              <a:t>2018-06-01</a:t>
+              <a:t>2018-06-04</a:t>
             </a:fld>
             <a:endParaRPr lang="ko-KR" altLang="en-US"/>
           </a:p>
@@ -3477,7 +3477,7 @@
           <a:p>
             <a:fld id="{1BDC7FDB-72DE-4D65-AF4F-510496DAF70F}" type="datetime1">
               <a:rPr lang="ko-KR" altLang="en-US" smtClean="0"/>
-              <a:t>2018-06-01</a:t>
+              <a:t>2018-06-04</a:t>
             </a:fld>
             <a:endParaRPr lang="ko-KR" altLang="en-US"/>
           </a:p>
@@ -3690,7 +3690,7 @@
           <a:p>
             <a:fld id="{9A286DBF-DB43-470A-A903-26374CB6EF47}" type="datetime1">
               <a:rPr lang="ko-KR" altLang="en-US" smtClean="0"/>
-              <a:t>2018-06-01</a:t>
+              <a:t>2018-06-04</a:t>
             </a:fld>
             <a:endParaRPr lang="ko-KR" altLang="en-US"/>
           </a:p>
@@ -4275,7 +4275,7 @@
           <a:p>
             <a:fld id="{32C03489-23FC-4021-B9AB-958EFB3C0FE7}" type="datetime1">
               <a:rPr lang="ko-KR" altLang="en-US" smtClean="0"/>
-              <a:t>2018-06-01</a:t>
+              <a:t>2018-06-04</a:t>
             </a:fld>
             <a:endParaRPr lang="ko-KR" altLang="en-US"/>
           </a:p>
@@ -4426,7 +4426,7 @@
           <a:p>
             <a:fld id="{53646E5C-8775-44A9-9523-40B6CCA06789}" type="datetime1">
               <a:rPr lang="ko-KR" altLang="en-US" smtClean="0"/>
-              <a:t>2018-06-01</a:t>
+              <a:t>2018-06-04</a:t>
             </a:fld>
             <a:endParaRPr lang="ko-KR" altLang="en-US"/>
           </a:p>
@@ -4524,11 +4524,7 @@
             </a:r>
             <a:r>
               <a:rPr lang="ko-KR" altLang="en-US" dirty="0" smtClean="0"/>
-              <a:t> 직접 </a:t>
-            </a:r>
-            <a:r>
-              <a:rPr lang="ko-KR" altLang="en-US" dirty="0" smtClean="0"/>
-              <a:t>연락</a:t>
+              <a:t> 직접 연락</a:t>
             </a:r>
             <a:endParaRPr lang="en-US" altLang="ko-KR" dirty="0" smtClean="0"/>
           </a:p>
@@ -4849,7 +4845,7 @@
           <a:p>
             <a:fld id="{53646E5C-8775-44A9-9523-40B6CCA06789}" type="datetime1">
               <a:rPr lang="ko-KR" altLang="en-US" smtClean="0"/>
-              <a:t>2018-06-01</a:t>
+              <a:t>2018-06-04</a:t>
             </a:fld>
             <a:endParaRPr lang="ko-KR" altLang="en-US"/>
           </a:p>
@@ -5327,7 +5323,7 @@
           <a:p>
             <a:fld id="{53646E5C-8775-44A9-9523-40B6CCA06789}" type="datetime1">
               <a:rPr lang="ko-KR" altLang="en-US" smtClean="0"/>
-              <a:t>2018-06-01</a:t>
+              <a:t>2018-06-04</a:t>
             </a:fld>
             <a:endParaRPr lang="ko-KR" altLang="en-US"/>
           </a:p>
@@ -6410,11 +6406,6 @@
               </a:rPr>
               <a:t>Signal</a:t>
             </a:r>
-            <a:endParaRPr lang="en-US" altLang="ko-KR" sz="1100" dirty="0" smtClean="0">
-              <a:solidFill>
-                <a:srgbClr val="3333FF"/>
-              </a:solidFill>
-            </a:endParaRPr>
           </a:p>
         </p:txBody>
       </p:sp>
@@ -6458,11 +6449,6 @@
               </a:rPr>
               <a:t>Reference</a:t>
             </a:r>
-            <a:endParaRPr lang="en-US" altLang="ko-KR" sz="1100" dirty="0" smtClean="0">
-              <a:solidFill>
-                <a:srgbClr val="3333FF"/>
-              </a:solidFill>
-            </a:endParaRPr>
           </a:p>
         </p:txBody>
       </p:sp>
@@ -6582,7 +6568,7 @@
           <a:p>
             <a:fld id="{53646E5C-8775-44A9-9523-40B6CCA06789}" type="datetime1">
               <a:rPr lang="ko-KR" altLang="en-US" smtClean="0"/>
-              <a:t>2018-06-01</a:t>
+              <a:t>2018-06-04</a:t>
             </a:fld>
             <a:endParaRPr lang="ko-KR" altLang="en-US"/>
           </a:p>
@@ -6641,11 +6627,6 @@
               </a:rPr>
               <a:t>Diagram</a:t>
             </a:r>
-            <a:endParaRPr lang="en-US" altLang="ko-KR" sz="2000" dirty="0" smtClean="0">
-              <a:solidFill>
-                <a:srgbClr val="3333FF"/>
-              </a:solidFill>
-            </a:endParaRPr>
           </a:p>
         </p:txBody>
       </p:sp>
@@ -6814,23 +6795,8 @@
                 </a:solidFill>
                 <a:latin typeface="Arial" panose="020B0604020202020204" pitchFamily="34" charset="0"/>
               </a:rPr>
-              <a:t>Single </a:t>
-            </a:r>
-            <a:r>
-              <a:rPr lang="en-US" altLang="ko-KR" sz="2800" dirty="0" smtClean="0">
-                <a:solidFill>
-                  <a:schemeClr val="bg1"/>
-                </a:solidFill>
-                <a:latin typeface="Arial" panose="020B0604020202020204" pitchFamily="34" charset="0"/>
-              </a:rPr>
-              <a:t>Lock-In (LabVIEW)</a:t>
-            </a:r>
-            <a:endParaRPr lang="en-US" altLang="ko-KR" sz="2800" dirty="0" smtClean="0">
-              <a:solidFill>
-                <a:schemeClr val="bg1"/>
-              </a:solidFill>
-              <a:latin typeface="Arial" panose="020B0604020202020204" pitchFamily="34" charset="0"/>
-            </a:endParaRPr>
+              <a:t>Single Lock-In (LabVIEW)</a:t>
+            </a:r>
           </a:p>
         </p:txBody>
       </p:sp>
@@ -6851,7 +6817,7 @@
           <a:p>
             <a:fld id="{53646E5C-8775-44A9-9523-40B6CCA06789}" type="datetime1">
               <a:rPr lang="ko-KR" altLang="en-US" smtClean="0"/>
-              <a:t>2018-06-01</a:t>
+              <a:t>2018-06-04</a:t>
             </a:fld>
             <a:endParaRPr lang="ko-KR" altLang="en-US"/>
           </a:p>
@@ -6997,23 +6963,8 @@
                 </a:solidFill>
                 <a:latin typeface="Arial" panose="020B0604020202020204" pitchFamily="34" charset="0"/>
               </a:rPr>
-              <a:t>Single </a:t>
-            </a:r>
-            <a:r>
-              <a:rPr lang="en-US" altLang="ko-KR" sz="2800" dirty="0" smtClean="0">
-                <a:solidFill>
-                  <a:schemeClr val="bg1"/>
-                </a:solidFill>
-                <a:latin typeface="Arial" panose="020B0604020202020204" pitchFamily="34" charset="0"/>
-              </a:rPr>
-              <a:t>Lock-In (LabVIEW)</a:t>
-            </a:r>
-            <a:endParaRPr lang="en-US" altLang="ko-KR" sz="2800" dirty="0" smtClean="0">
-              <a:solidFill>
-                <a:schemeClr val="bg1"/>
-              </a:solidFill>
-              <a:latin typeface="Arial" panose="020B0604020202020204" pitchFamily="34" charset="0"/>
-            </a:endParaRPr>
+              <a:t>Single Lock-In (LabVIEW)</a:t>
+            </a:r>
           </a:p>
         </p:txBody>
       </p:sp>
@@ -7034,7 +6985,7 @@
           <a:p>
             <a:fld id="{53646E5C-8775-44A9-9523-40B6CCA06789}" type="datetime1">
               <a:rPr lang="ko-KR" altLang="en-US" smtClean="0"/>
-              <a:t>2018-06-01</a:t>
+              <a:t>2018-06-04</a:t>
             </a:fld>
             <a:endParaRPr lang="ko-KR" altLang="en-US"/>
           </a:p>
@@ -7208,11 +7159,6 @@
               </a:rPr>
               <a:t>Display Settings</a:t>
             </a:r>
-            <a:endParaRPr lang="en-US" altLang="ko-KR" sz="2000" dirty="0" smtClean="0">
-              <a:solidFill>
-                <a:srgbClr val="3333FF"/>
-              </a:solidFill>
-            </a:endParaRPr>
           </a:p>
         </p:txBody>
       </p:sp>
@@ -7246,11 +7192,6 @@
               </a:rPr>
               <a:t>PLL Settings</a:t>
             </a:r>
-            <a:endParaRPr lang="en-US" altLang="ko-KR" sz="2000" dirty="0" smtClean="0">
-              <a:solidFill>
-                <a:srgbClr val="3333FF"/>
-              </a:solidFill>
-            </a:endParaRPr>
           </a:p>
         </p:txBody>
       </p:sp>
@@ -7284,11 +7225,6 @@
               </a:rPr>
               <a:t>Demodulator Settings</a:t>
             </a:r>
-            <a:endParaRPr lang="en-US" altLang="ko-KR" sz="2000" dirty="0" smtClean="0">
-              <a:solidFill>
-                <a:srgbClr val="3333FF"/>
-              </a:solidFill>
-            </a:endParaRPr>
           </a:p>
         </p:txBody>
       </p:sp>
@@ -7322,11 +7258,6 @@
               </a:rPr>
               <a:t>Input Settings</a:t>
             </a:r>
-            <a:endParaRPr lang="en-US" altLang="ko-KR" sz="2000" dirty="0" smtClean="0">
-              <a:solidFill>
-                <a:srgbClr val="3333FF"/>
-              </a:solidFill>
-            </a:endParaRPr>
           </a:p>
         </p:txBody>
       </p:sp>
@@ -7383,11 +7314,6 @@
               </a:rPr>
               <a:t>Output</a:t>
             </a:r>
-            <a:endParaRPr lang="en-US" altLang="ko-KR" sz="2000" dirty="0" smtClean="0">
-              <a:solidFill>
-                <a:srgbClr val="3333FF"/>
-              </a:solidFill>
-            </a:endParaRPr>
           </a:p>
         </p:txBody>
       </p:sp>
@@ -7485,8 +7411,23 @@
                 </a:solidFill>
                 <a:latin typeface="Arial" panose="020B0604020202020204" pitchFamily="34" charset="0"/>
               </a:rPr>
-              <a:t>Dual Lock-In</a:t>
-            </a:r>
+              <a:t>Dual </a:t>
+            </a:r>
+            <a:r>
+              <a:rPr lang="en-US" altLang="ko-KR" sz="2800" dirty="0" smtClean="0">
+                <a:solidFill>
+                  <a:schemeClr val="bg1"/>
+                </a:solidFill>
+                <a:latin typeface="Arial" panose="020B0604020202020204" pitchFamily="34" charset="0"/>
+              </a:rPr>
+              <a:t>Lock-In Design</a:t>
+            </a:r>
+            <a:endParaRPr lang="en-US" altLang="ko-KR" sz="2800" dirty="0" smtClean="0">
+              <a:solidFill>
+                <a:schemeClr val="bg1"/>
+              </a:solidFill>
+              <a:latin typeface="Arial" panose="020B0604020202020204" pitchFamily="34" charset="0"/>
+            </a:endParaRPr>
           </a:p>
         </p:txBody>
       </p:sp>
@@ -7507,7 +7448,7 @@
           <a:p>
             <a:fld id="{53646E5C-8775-44A9-9523-40B6CCA06789}" type="datetime1">
               <a:rPr lang="ko-KR" altLang="en-US" smtClean="0"/>
-              <a:t>2018-06-01</a:t>
+              <a:t>2018-06-04</a:t>
             </a:fld>
             <a:endParaRPr lang="ko-KR" altLang="en-US"/>
           </a:p>
@@ -7723,7 +7664,7 @@
       </p:pic>
       <p:pic>
         <p:nvPicPr>
-          <p:cNvPr id="6" name="그림 5"/>
+          <p:cNvPr id="7" name="그림 6"/>
           <p:cNvPicPr>
             <a:picLocks noChangeAspect="1"/>
           </p:cNvPicPr>
@@ -7731,30 +7672,6 @@
         </p:nvPicPr>
         <p:blipFill>
           <a:blip r:embed="rId5"/>
-          <a:stretch>
-            <a:fillRect/>
-          </a:stretch>
-        </p:blipFill>
-        <p:spPr>
-          <a:xfrm>
-            <a:off x="6188417" y="920564"/>
-            <a:ext cx="2362514" cy="4216432"/>
-          </a:xfrm>
-          <a:prstGeom prst="rect">
-            <a:avLst/>
-          </a:prstGeom>
-        </p:spPr>
-      </p:pic>
-      <p:pic>
-        <p:nvPicPr>
-          <p:cNvPr id="7" name="그림 6"/>
-          <p:cNvPicPr>
-            <a:picLocks noChangeAspect="1"/>
-          </p:cNvPicPr>
-          <p:nvPr/>
-        </p:nvPicPr>
-        <p:blipFill>
-          <a:blip r:embed="rId6"/>
           <a:stretch>
             <a:fillRect/>
           </a:stretch>
@@ -7769,437 +7686,6 @@
           </a:prstGeom>
         </p:spPr>
       </p:pic>
-      <mc:AlternateContent xmlns:mc="http://schemas.openxmlformats.org/markup-compatibility/2006" xmlns:a14="http://schemas.microsoft.com/office/drawing/2010/main">
-        <mc:Choice Requires="a14">
-          <p:sp>
-            <p:nvSpPr>
-              <p:cNvPr id="13" name="TextBox 12"/>
-              <p:cNvSpPr txBox="1"/>
-              <p:nvPr/>
-            </p:nvSpPr>
-            <p:spPr>
-              <a:xfrm>
-                <a:off x="3650303" y="5136996"/>
-                <a:ext cx="2313753" cy="426976"/>
-              </a:xfrm>
-              <a:prstGeom prst="rect">
-                <a:avLst/>
-              </a:prstGeom>
-              <a:noFill/>
-            </p:spPr>
-            <p:txBody>
-              <a:bodyPr wrap="square" rtlCol="0">
-                <a:spAutoFit/>
-              </a:bodyPr>
-              <a:lstStyle/>
-              <a:p>
-                <a:pPr/>
-                <a14:m>
-                  <m:oMathPara xmlns:m="http://schemas.openxmlformats.org/officeDocument/2006/math">
-                    <m:oMathParaPr>
-                      <m:jc m:val="centerGroup"/>
-                    </m:oMathParaPr>
-                    <m:oMath xmlns:m="http://schemas.openxmlformats.org/officeDocument/2006/math">
-                      <m:sSub>
-                        <m:sSubPr>
-                          <m:ctrlPr>
-                            <a:rPr lang="en-US" altLang="ko-KR" sz="1100" b="0" i="1" smtClean="0">
-                              <a:latin typeface="Cambria Math" panose="02040503050406030204" pitchFamily="18" charset="0"/>
-                            </a:rPr>
-                          </m:ctrlPr>
-                        </m:sSubPr>
-                        <m:e>
-                          <m:r>
-                            <a:rPr lang="en-US" altLang="ko-KR" sz="1100" b="0" i="1" smtClean="0">
-                              <a:latin typeface="Cambria Math" panose="02040503050406030204" pitchFamily="18" charset="0"/>
-                            </a:rPr>
-                            <m:t>𝑓</m:t>
-                          </m:r>
-                        </m:e>
-                        <m:sub>
-                          <m:r>
-                            <a:rPr lang="en-US" altLang="ko-KR" sz="1100" b="0" i="1" smtClean="0">
-                              <a:latin typeface="Cambria Math" panose="02040503050406030204" pitchFamily="18" charset="0"/>
-                            </a:rPr>
-                            <m:t>1</m:t>
-                          </m:r>
-                        </m:sub>
-                      </m:sSub>
-                      <m:r>
-                        <a:rPr lang="en-US" altLang="ko-KR" sz="1100" b="0" i="1" smtClean="0">
-                          <a:latin typeface="Cambria Math" panose="02040503050406030204" pitchFamily="18" charset="0"/>
-                        </a:rPr>
-                        <m:t>=12.5</m:t>
-                      </m:r>
-                      <m:r>
-                        <a:rPr lang="en-US" altLang="ko-KR" sz="1100" b="0" i="1" smtClean="0">
-                          <a:latin typeface="Cambria Math" panose="02040503050406030204" pitchFamily="18" charset="0"/>
-                        </a:rPr>
-                        <m:t>𝑀𝐻𝑧</m:t>
-                      </m:r>
-                      <m:r>
-                        <a:rPr lang="en-US" altLang="ko-KR" sz="1100" b="0" i="1" smtClean="0">
-                          <a:latin typeface="Cambria Math" panose="02040503050406030204" pitchFamily="18" charset="0"/>
-                        </a:rPr>
-                        <m:t>, </m:t>
-                      </m:r>
-                      <m:sSub>
-                        <m:sSubPr>
-                          <m:ctrlPr>
-                            <a:rPr lang="en-US" altLang="ko-KR" sz="1100" b="0" i="1" smtClean="0">
-                              <a:latin typeface="Cambria Math" panose="02040503050406030204" pitchFamily="18" charset="0"/>
-                            </a:rPr>
-                          </m:ctrlPr>
-                        </m:sSubPr>
-                        <m:e>
-                          <m:r>
-                            <a:rPr lang="en-US" altLang="ko-KR" sz="1100" b="0" i="1" smtClean="0">
-                              <a:latin typeface="Cambria Math" panose="02040503050406030204" pitchFamily="18" charset="0"/>
-                            </a:rPr>
-                            <m:t>𝑓</m:t>
-                          </m:r>
-                        </m:e>
-                        <m:sub>
-                          <m:r>
-                            <a:rPr lang="en-US" altLang="ko-KR" sz="1100" b="0" i="1" smtClean="0">
-                              <a:latin typeface="Cambria Math" panose="02040503050406030204" pitchFamily="18" charset="0"/>
-                            </a:rPr>
-                            <m:t>2</m:t>
-                          </m:r>
-                        </m:sub>
-                      </m:sSub>
-                      <m:r>
-                        <a:rPr lang="en-US" altLang="ko-KR" sz="1100" b="0" i="1" smtClean="0">
-                          <a:latin typeface="Cambria Math" panose="02040503050406030204" pitchFamily="18" charset="0"/>
-                        </a:rPr>
-                        <m:t>=520</m:t>
-                      </m:r>
-                      <m:r>
-                        <a:rPr lang="en-US" altLang="ko-KR" sz="1100" b="0" i="1" smtClean="0">
-                          <a:latin typeface="Cambria Math" panose="02040503050406030204" pitchFamily="18" charset="0"/>
-                        </a:rPr>
-                        <m:t>𝐻𝑧</m:t>
-                      </m:r>
-                    </m:oMath>
-                  </m:oMathPara>
-                </a14:m>
-                <a:endParaRPr lang="en-US" altLang="ko-KR" sz="1100" b="0" i="1" dirty="0" smtClean="0">
-                  <a:latin typeface="Cambria Math" panose="02040503050406030204" pitchFamily="18" charset="0"/>
-                </a:endParaRPr>
-              </a:p>
-              <a:p>
-                <a:pPr/>
-                <a14:m>
-                  <m:oMathPara xmlns:m="http://schemas.openxmlformats.org/officeDocument/2006/math">
-                    <m:oMathParaPr>
-                      <m:jc m:val="centerGroup"/>
-                    </m:oMathParaPr>
-                    <m:oMath xmlns:m="http://schemas.openxmlformats.org/officeDocument/2006/math">
-                      <m:sSub>
-                        <m:sSubPr>
-                          <m:ctrlPr>
-                            <a:rPr lang="en-US" altLang="ko-KR" sz="1100" b="0" i="1" smtClean="0">
-                              <a:latin typeface="Cambria Math" panose="02040503050406030204" pitchFamily="18" charset="0"/>
-                            </a:rPr>
-                          </m:ctrlPr>
-                        </m:sSubPr>
-                        <m:e>
-                          <m:r>
-                            <a:rPr lang="en-US" altLang="ko-KR" sz="1100" b="0" i="1" smtClean="0">
-                              <a:latin typeface="Cambria Math" panose="02040503050406030204" pitchFamily="18" charset="0"/>
-                            </a:rPr>
-                            <m:t>𝜏</m:t>
-                          </m:r>
-                        </m:e>
-                        <m:sub>
-                          <m:r>
-                            <a:rPr lang="en-US" altLang="ko-KR" sz="1100" b="0" i="1" smtClean="0">
-                              <a:latin typeface="Cambria Math" panose="02040503050406030204" pitchFamily="18" charset="0"/>
-                            </a:rPr>
-                            <m:t>1</m:t>
-                          </m:r>
-                        </m:sub>
-                      </m:sSub>
-                      <m:r>
-                        <a:rPr lang="en-US" altLang="ko-KR" sz="1100" b="0" i="1" smtClean="0">
-                          <a:latin typeface="Cambria Math" panose="02040503050406030204" pitchFamily="18" charset="0"/>
-                        </a:rPr>
-                        <m:t>=500</m:t>
-                      </m:r>
-                      <m:r>
-                        <a:rPr lang="en-US" altLang="ko-KR" sz="1100" b="0" i="1" smtClean="0">
-                          <a:latin typeface="Cambria Math" panose="02040503050406030204" pitchFamily="18" charset="0"/>
-                        </a:rPr>
-                        <m:t>𝜇</m:t>
-                      </m:r>
-                      <m:r>
-                        <a:rPr lang="en-US" altLang="ko-KR" sz="1100" b="0" i="1" smtClean="0">
-                          <a:latin typeface="Cambria Math" panose="02040503050406030204" pitchFamily="18" charset="0"/>
-                        </a:rPr>
-                        <m:t>𝑠</m:t>
-                      </m:r>
-                      <m:r>
-                        <a:rPr lang="en-US" altLang="ko-KR" sz="1100" b="0" i="1" smtClean="0">
-                          <a:latin typeface="Cambria Math" panose="02040503050406030204" pitchFamily="18" charset="0"/>
-                        </a:rPr>
-                        <m:t>, </m:t>
-                      </m:r>
-                      <m:sSub>
-                        <m:sSubPr>
-                          <m:ctrlPr>
-                            <a:rPr lang="en-US" altLang="ko-KR" sz="1100" b="0" i="1" smtClean="0">
-                              <a:latin typeface="Cambria Math" panose="02040503050406030204" pitchFamily="18" charset="0"/>
-                            </a:rPr>
-                          </m:ctrlPr>
-                        </m:sSubPr>
-                        <m:e>
-                          <m:r>
-                            <a:rPr lang="en-US" altLang="ko-KR" sz="1100" b="0" i="1" smtClean="0">
-                              <a:latin typeface="Cambria Math" panose="02040503050406030204" pitchFamily="18" charset="0"/>
-                            </a:rPr>
-                            <m:t>𝜏</m:t>
-                          </m:r>
-                        </m:e>
-                        <m:sub>
-                          <m:r>
-                            <a:rPr lang="en-US" altLang="ko-KR" sz="1100" b="0" i="1" smtClean="0">
-                              <a:latin typeface="Cambria Math" panose="02040503050406030204" pitchFamily="18" charset="0"/>
-                            </a:rPr>
-                            <m:t>2</m:t>
-                          </m:r>
-                        </m:sub>
-                      </m:sSub>
-                      <m:r>
-                        <a:rPr lang="en-US" altLang="ko-KR" sz="1100" b="0" i="1" smtClean="0">
-                          <a:latin typeface="Cambria Math" panose="02040503050406030204" pitchFamily="18" charset="0"/>
-                        </a:rPr>
-                        <m:t>=4</m:t>
-                      </m:r>
-                      <m:r>
-                        <a:rPr lang="en-US" altLang="ko-KR" sz="1100" b="0" i="1" smtClean="0">
-                          <a:latin typeface="Cambria Math" panose="02040503050406030204" pitchFamily="18" charset="0"/>
-                        </a:rPr>
-                        <m:t>𝑠</m:t>
-                      </m:r>
-                      <m:r>
-                        <a:rPr lang="en-US" altLang="ko-KR" sz="1100" b="0" i="1" smtClean="0">
-                          <a:latin typeface="Cambria Math" panose="02040503050406030204" pitchFamily="18" charset="0"/>
-                        </a:rPr>
-                        <m:t> </m:t>
-                      </m:r>
-                    </m:oMath>
-                  </m:oMathPara>
-                </a14:m>
-                <a:endParaRPr lang="en-US" altLang="ko-KR" sz="1100" dirty="0" smtClean="0"/>
-              </a:p>
-            </p:txBody>
-          </p:sp>
-        </mc:Choice>
-        <mc:Fallback xmlns="">
-          <p:sp>
-            <p:nvSpPr>
-              <p:cNvPr id="13" name="TextBox 12"/>
-              <p:cNvSpPr txBox="1">
-                <a:spLocks noRot="1" noChangeAspect="1" noMove="1" noResize="1" noEditPoints="1" noAdjustHandles="1" noChangeArrowheads="1" noChangeShapeType="1" noTextEdit="1"/>
-              </p:cNvSpPr>
-              <p:nvPr/>
-            </p:nvSpPr>
-            <p:spPr>
-              <a:xfrm>
-                <a:off x="3650303" y="5136996"/>
-                <a:ext cx="2313753" cy="426976"/>
-              </a:xfrm>
-              <a:prstGeom prst="rect">
-                <a:avLst/>
-              </a:prstGeom>
-              <a:blipFill rotWithShape="0">
-                <a:blip r:embed="rId7"/>
-                <a:stretch>
-                  <a:fillRect b="-2857"/>
-                </a:stretch>
-              </a:blipFill>
-            </p:spPr>
-            <p:txBody>
-              <a:bodyPr/>
-              <a:lstStyle/>
-              <a:p>
-                <a:r>
-                  <a:rPr lang="ko-KR" altLang="en-US">
-                    <a:noFill/>
-                  </a:rPr>
-                  <a:t> </a:t>
-                </a:r>
-              </a:p>
-            </p:txBody>
-          </p:sp>
-        </mc:Fallback>
-      </mc:AlternateContent>
-      <mc:AlternateContent xmlns:mc="http://schemas.openxmlformats.org/markup-compatibility/2006" xmlns:a14="http://schemas.microsoft.com/office/drawing/2010/main">
-        <mc:Choice Requires="a14">
-          <p:sp>
-            <p:nvSpPr>
-              <p:cNvPr id="14" name="TextBox 13"/>
-              <p:cNvSpPr txBox="1"/>
-              <p:nvPr/>
-            </p:nvSpPr>
-            <p:spPr>
-              <a:xfrm>
-                <a:off x="6846913" y="5115279"/>
-                <a:ext cx="1045522" cy="431015"/>
-              </a:xfrm>
-              <a:prstGeom prst="rect">
-                <a:avLst/>
-              </a:prstGeom>
-              <a:noFill/>
-            </p:spPr>
-            <p:txBody>
-              <a:bodyPr wrap="square" rtlCol="0">
-                <a:spAutoFit/>
-              </a:bodyPr>
-              <a:lstStyle/>
-              <a:p>
-                <a:pPr/>
-                <a14:m>
-                  <m:oMathPara xmlns:m="http://schemas.openxmlformats.org/officeDocument/2006/math">
-                    <m:oMathParaPr>
-                      <m:jc m:val="centerGroup"/>
-                    </m:oMathParaPr>
-                    <m:oMath xmlns:m="http://schemas.openxmlformats.org/officeDocument/2006/math">
-                      <m:f>
-                        <m:fPr>
-                          <m:ctrlPr>
-                            <a:rPr lang="en-US" altLang="ko-KR" sz="1100" b="0" i="1" smtClean="0">
-                              <a:latin typeface="Cambria Math" panose="02040503050406030204" pitchFamily="18" charset="0"/>
-                            </a:rPr>
-                          </m:ctrlPr>
-                        </m:fPr>
-                        <m:num>
-                          <m:r>
-                            <a:rPr lang="en-US" altLang="ko-KR" sz="1100" b="0" i="1" smtClean="0">
-                              <a:latin typeface="Cambria Math" panose="02040503050406030204" pitchFamily="18" charset="0"/>
-                            </a:rPr>
-                            <m:t>𝑆𝑁</m:t>
-                          </m:r>
-                          <m:sSup>
-                            <m:sSupPr>
-                              <m:ctrlPr>
-                                <a:rPr lang="en-US" altLang="ko-KR" sz="1100" b="0" i="1" smtClean="0">
-                                  <a:latin typeface="Cambria Math" panose="02040503050406030204" pitchFamily="18" charset="0"/>
-                                </a:rPr>
-                              </m:ctrlPr>
-                            </m:sSupPr>
-                            <m:e>
-                              <m:r>
-                                <a:rPr lang="en-US" altLang="ko-KR" sz="1100" b="0" i="1" smtClean="0">
-                                  <a:latin typeface="Cambria Math" panose="02040503050406030204" pitchFamily="18" charset="0"/>
-                                </a:rPr>
-                                <m:t>𝑅</m:t>
-                              </m:r>
-                            </m:e>
-                            <m:sup>
-                              <m:r>
-                                <a:rPr lang="en-US" altLang="ko-KR" sz="1100" b="0" i="1" smtClean="0">
-                                  <a:latin typeface="Cambria Math" panose="02040503050406030204" pitchFamily="18" charset="0"/>
-                                </a:rPr>
-                                <m:t>𝐷𝐿𝐼</m:t>
-                              </m:r>
-                            </m:sup>
-                          </m:sSup>
-                        </m:num>
-                        <m:den>
-                          <m:r>
-                            <a:rPr lang="en-US" altLang="ko-KR" sz="1100" b="0" i="1" smtClean="0">
-                              <a:latin typeface="Cambria Math" panose="02040503050406030204" pitchFamily="18" charset="0"/>
-                            </a:rPr>
-                            <m:t>𝑆𝑁</m:t>
-                          </m:r>
-                          <m:sSup>
-                            <m:sSupPr>
-                              <m:ctrlPr>
-                                <a:rPr lang="en-US" altLang="ko-KR" sz="1100" b="0" i="1" smtClean="0">
-                                  <a:latin typeface="Cambria Math" panose="02040503050406030204" pitchFamily="18" charset="0"/>
-                                </a:rPr>
-                              </m:ctrlPr>
-                            </m:sSupPr>
-                            <m:e>
-                              <m:r>
-                                <a:rPr lang="en-US" altLang="ko-KR" sz="1100" b="0" i="1" smtClean="0">
-                                  <a:latin typeface="Cambria Math" panose="02040503050406030204" pitchFamily="18" charset="0"/>
-                                </a:rPr>
-                                <m:t>𝑅</m:t>
-                              </m:r>
-                            </m:e>
-                            <m:sup>
-                              <m:r>
-                                <a:rPr lang="en-US" altLang="ko-KR" sz="1100" b="0" i="1" smtClean="0">
-                                  <a:latin typeface="Cambria Math" panose="02040503050406030204" pitchFamily="18" charset="0"/>
-                                </a:rPr>
-                                <m:t>𝑆𝐿𝐼</m:t>
-                              </m:r>
-                            </m:sup>
-                          </m:sSup>
-                        </m:den>
-                      </m:f>
-                      <m:r>
-                        <a:rPr lang="en-US" altLang="ko-KR" sz="1100" b="0" i="1" smtClean="0">
-                          <a:latin typeface="Cambria Math" panose="02040503050406030204" pitchFamily="18" charset="0"/>
-                          <a:ea typeface="Cambria Math" panose="02040503050406030204" pitchFamily="18" charset="0"/>
-                        </a:rPr>
-                        <m:t>≅20</m:t>
-                      </m:r>
-                      <m:r>
-                        <a:rPr lang="en-US" altLang="ko-KR" sz="1100" b="0" i="1" smtClean="0">
-                          <a:latin typeface="Cambria Math" panose="02040503050406030204" pitchFamily="18" charset="0"/>
-                        </a:rPr>
-                        <m:t> </m:t>
-                      </m:r>
-                    </m:oMath>
-                  </m:oMathPara>
-                </a14:m>
-                <a:endParaRPr lang="en-US" altLang="ko-KR" sz="1100" dirty="0" smtClean="0"/>
-              </a:p>
-            </p:txBody>
-          </p:sp>
-        </mc:Choice>
-        <mc:Fallback xmlns="">
-          <p:sp>
-            <p:nvSpPr>
-              <p:cNvPr id="14" name="TextBox 13"/>
-              <p:cNvSpPr txBox="1">
-                <a:spLocks noRot="1" noChangeAspect="1" noMove="1" noResize="1" noEditPoints="1" noAdjustHandles="1" noChangeArrowheads="1" noChangeShapeType="1" noTextEdit="1"/>
-              </p:cNvSpPr>
-              <p:nvPr/>
-            </p:nvSpPr>
-            <p:spPr>
-              <a:xfrm>
-                <a:off x="6846913" y="5115279"/>
-                <a:ext cx="1045522" cy="431015"/>
-              </a:xfrm>
-              <a:prstGeom prst="rect">
-                <a:avLst/>
-              </a:prstGeom>
-              <a:blipFill rotWithShape="0">
-                <a:blip r:embed="rId8"/>
-                <a:stretch>
-                  <a:fillRect/>
-                </a:stretch>
-              </a:blipFill>
-            </p:spPr>
-            <p:txBody>
-              <a:bodyPr/>
-              <a:lstStyle/>
-              <a:p>
-                <a:r>
-                  <a:rPr lang="ko-KR" altLang="en-US">
-                    <a:noFill/>
-                  </a:rPr>
-                  <a:t> </a:t>
-                </a:r>
-              </a:p>
-            </p:txBody>
-          </p:sp>
-        </mc:Fallback>
-      </mc:AlternateContent>
     </p:spTree>
     <p:extLst>
       <p:ext uri="{BB962C8B-B14F-4D97-AF65-F5344CB8AC3E}">
@@ -8316,7 +7802,7 @@
           <a:p>
             <a:fld id="{53646E5C-8775-44A9-9523-40B6CCA06789}" type="datetime1">
               <a:rPr lang="ko-KR" altLang="en-US" smtClean="0"/>
-              <a:t>2018-06-01</a:t>
+              <a:t>2018-06-04</a:t>
             </a:fld>
             <a:endParaRPr lang="ko-KR" altLang="en-US"/>
           </a:p>
@@ -8373,42 +7859,42 @@
                 <a:gridCol w="1490596">
                   <a:extLst>
                     <a:ext uri="{9D8B030D-6E8A-4147-A177-3AD203B41FA5}">
-                      <a16:colId xmlns:a16="http://schemas.microsoft.com/office/drawing/2014/main" xmlns="" val="3751341464"/>
+                      <a16:colId xmlns:a16="http://schemas.microsoft.com/office/drawing/2014/main" val="3751341464"/>
                     </a:ext>
                   </a:extLst>
                 </a:gridCol>
                 <a:gridCol w="1119827">
                   <a:extLst>
                     <a:ext uri="{9D8B030D-6E8A-4147-A177-3AD203B41FA5}">
-                      <a16:colId xmlns:a16="http://schemas.microsoft.com/office/drawing/2014/main" xmlns="" val="4090605972"/>
+                      <a16:colId xmlns:a16="http://schemas.microsoft.com/office/drawing/2014/main" val="4090605972"/>
                     </a:ext>
                   </a:extLst>
                 </a:gridCol>
                 <a:gridCol w="1119827">
                   <a:extLst>
                     <a:ext uri="{9D8B030D-6E8A-4147-A177-3AD203B41FA5}">
-                      <a16:colId xmlns:a16="http://schemas.microsoft.com/office/drawing/2014/main" xmlns="" val="3510855832"/>
+                      <a16:colId xmlns:a16="http://schemas.microsoft.com/office/drawing/2014/main" val="3510855832"/>
                     </a:ext>
                   </a:extLst>
                 </a:gridCol>
                 <a:gridCol w="1119827">
                   <a:extLst>
                     <a:ext uri="{9D8B030D-6E8A-4147-A177-3AD203B41FA5}">
-                      <a16:colId xmlns:a16="http://schemas.microsoft.com/office/drawing/2014/main" xmlns="" val="835025531"/>
+                      <a16:colId xmlns:a16="http://schemas.microsoft.com/office/drawing/2014/main" val="835025531"/>
                     </a:ext>
                   </a:extLst>
                 </a:gridCol>
                 <a:gridCol w="1119827">
                   <a:extLst>
                     <a:ext uri="{9D8B030D-6E8A-4147-A177-3AD203B41FA5}">
-                      <a16:colId xmlns:a16="http://schemas.microsoft.com/office/drawing/2014/main" xmlns="" val="4005027411"/>
+                      <a16:colId xmlns:a16="http://schemas.microsoft.com/office/drawing/2014/main" val="4005027411"/>
                     </a:ext>
                   </a:extLst>
                 </a:gridCol>
                 <a:gridCol w="1119827">
                   <a:extLst>
                     <a:ext uri="{9D8B030D-6E8A-4147-A177-3AD203B41FA5}">
-                      <a16:colId xmlns:a16="http://schemas.microsoft.com/office/drawing/2014/main" xmlns="" val="2760397003"/>
+                      <a16:colId xmlns:a16="http://schemas.microsoft.com/office/drawing/2014/main" val="2760397003"/>
                     </a:ext>
                   </a:extLst>
                 </a:gridCol>
@@ -8969,7 +8455,7 @@
                 </a:tc>
                 <a:extLst>
                   <a:ext uri="{0D108BD9-81ED-4DB2-BD59-A6C34878D82A}">
-                    <a16:rowId xmlns:a16="http://schemas.microsoft.com/office/drawing/2014/main" xmlns="" val="4057196349"/>
+                    <a16:rowId xmlns:a16="http://schemas.microsoft.com/office/drawing/2014/main" val="4057196349"/>
                   </a:ext>
                 </a:extLst>
               </a:tr>
@@ -9316,7 +8802,7 @@
                 </a:tc>
                 <a:extLst>
                   <a:ext uri="{0D108BD9-81ED-4DB2-BD59-A6C34878D82A}">
-                    <a16:rowId xmlns:a16="http://schemas.microsoft.com/office/drawing/2014/main" xmlns="" val="124231198"/>
+                    <a16:rowId xmlns:a16="http://schemas.microsoft.com/office/drawing/2014/main" val="124231198"/>
                   </a:ext>
                 </a:extLst>
               </a:tr>
@@ -9670,7 +9156,7 @@
                 </a:tc>
                 <a:extLst>
                   <a:ext uri="{0D108BD9-81ED-4DB2-BD59-A6C34878D82A}">
-                    <a16:rowId xmlns:a16="http://schemas.microsoft.com/office/drawing/2014/main" xmlns="" val="1389960326"/>
+                    <a16:rowId xmlns:a16="http://schemas.microsoft.com/office/drawing/2014/main" val="1389960326"/>
                   </a:ext>
                 </a:extLst>
               </a:tr>
@@ -10028,7 +9514,7 @@
                 </a:tc>
                 <a:extLst>
                   <a:ext uri="{0D108BD9-81ED-4DB2-BD59-A6C34878D82A}">
-                    <a16:rowId xmlns:a16="http://schemas.microsoft.com/office/drawing/2014/main" xmlns="" val="4219604525"/>
+                    <a16:rowId xmlns:a16="http://schemas.microsoft.com/office/drawing/2014/main" val="4219604525"/>
                   </a:ext>
                 </a:extLst>
               </a:tr>
@@ -10382,7 +9868,7 @@
                 </a:tc>
                 <a:extLst>
                   <a:ext uri="{0D108BD9-81ED-4DB2-BD59-A6C34878D82A}">
-                    <a16:rowId xmlns:a16="http://schemas.microsoft.com/office/drawing/2014/main" xmlns="" val="1127636178"/>
+                    <a16:rowId xmlns:a16="http://schemas.microsoft.com/office/drawing/2014/main" val="1127636178"/>
                   </a:ext>
                 </a:extLst>
               </a:tr>

--- a/랩미팅/201806/180604 Zurich Lock-In(Jong).pptx
+++ b/랩미팅/201806/180604 Zurich Lock-In(Jong).pptx
@@ -6452,6 +6452,44 @@
           </a:p>
         </p:txBody>
       </p:sp>
+      <p:sp>
+        <p:nvSpPr>
+          <p:cNvPr id="45" name="TextBox 44"/>
+          <p:cNvSpPr txBox="1"/>
+          <p:nvPr/>
+        </p:nvSpPr>
+        <p:spPr>
+          <a:xfrm>
+            <a:off x="3453784" y="3677864"/>
+            <a:ext cx="874435" cy="261610"/>
+          </a:xfrm>
+          <a:prstGeom prst="rect">
+            <a:avLst/>
+          </a:prstGeom>
+          <a:noFill/>
+        </p:spPr>
+        <p:txBody>
+          <a:bodyPr wrap="square" rtlCol="0">
+            <a:spAutoFit/>
+          </a:bodyPr>
+          <a:lstStyle/>
+          <a:p>
+            <a:r>
+              <a:rPr lang="en-US" altLang="ko-KR" sz="1100" dirty="0" smtClean="0">
+                <a:solidFill>
+                  <a:srgbClr val="3333FF"/>
+                </a:solidFill>
+              </a:rPr>
+              <a:t>1Vpp 1MHz</a:t>
+            </a:r>
+            <a:endParaRPr lang="en-US" altLang="ko-KR" sz="1100" dirty="0" smtClean="0">
+              <a:solidFill>
+                <a:srgbClr val="3333FF"/>
+              </a:solidFill>
+            </a:endParaRPr>
+          </a:p>
+        </p:txBody>
+      </p:sp>
     </p:spTree>
     <p:extLst>
       <p:ext uri="{BB962C8B-B14F-4D97-AF65-F5344CB8AC3E}">
@@ -6701,6 +6739,120 @@
           </a:p>
         </p:txBody>
       </p:sp>
+      <p:sp>
+        <p:nvSpPr>
+          <p:cNvPr id="8" name="직사각형 7"/>
+          <p:cNvSpPr/>
+          <p:nvPr/>
+        </p:nvSpPr>
+        <p:spPr>
+          <a:xfrm>
+            <a:off x="1515608" y="3384937"/>
+            <a:ext cx="246689" cy="243401"/>
+          </a:xfrm>
+          <a:prstGeom prst="rect">
+            <a:avLst/>
+          </a:prstGeom>
+          <a:noFill/>
+          <a:ln w="38100">
+            <a:solidFill>
+              <a:srgbClr val="FF0000"/>
+            </a:solidFill>
+          </a:ln>
+        </p:spPr>
+        <p:style>
+          <a:lnRef idx="2">
+            <a:schemeClr val="accent1">
+              <a:shade val="50000"/>
+            </a:schemeClr>
+          </a:lnRef>
+          <a:fillRef idx="1">
+            <a:schemeClr val="accent1"/>
+          </a:fillRef>
+          <a:effectRef idx="0">
+            <a:schemeClr val="accent1"/>
+          </a:effectRef>
+          <a:fontRef idx="minor">
+            <a:schemeClr val="lt1"/>
+          </a:fontRef>
+        </p:style>
+        <p:txBody>
+          <a:bodyPr rtlCol="0" anchor="ctr"/>
+          <a:lstStyle/>
+          <a:p>
+            <a:pPr algn="ctr"/>
+            <a:endParaRPr lang="ko-KR" altLang="en-US"/>
+          </a:p>
+        </p:txBody>
+      </p:sp>
+      <p:sp>
+        <p:nvSpPr>
+          <p:cNvPr id="9" name="TextBox 8"/>
+          <p:cNvSpPr txBox="1"/>
+          <p:nvPr/>
+        </p:nvSpPr>
+        <p:spPr>
+          <a:xfrm>
+            <a:off x="1762297" y="3779850"/>
+            <a:ext cx="2106194" cy="369332"/>
+          </a:xfrm>
+          <a:prstGeom prst="rect">
+            <a:avLst/>
+          </a:prstGeom>
+          <a:noFill/>
+        </p:spPr>
+        <p:txBody>
+          <a:bodyPr wrap="square" rtlCol="0">
+            <a:spAutoFit/>
+          </a:bodyPr>
+          <a:lstStyle/>
+          <a:p>
+            <a:r>
+              <a:rPr lang="en-US" altLang="ko-KR" dirty="0" smtClean="0">
+                <a:sym typeface="Wingdings" panose="05000000000000000000" pitchFamily="2" charset="2"/>
+              </a:rPr>
+              <a:t>Phase Lock Indicator</a:t>
+            </a:r>
+            <a:endParaRPr lang="en-US" altLang="ko-KR" dirty="0" smtClean="0"/>
+          </a:p>
+        </p:txBody>
+      </p:sp>
+      <p:cxnSp>
+        <p:nvCxnSpPr>
+          <p:cNvPr id="4" name="꺾인 연결선 3"/>
+          <p:cNvCxnSpPr>
+            <a:stCxn id="9" idx="1"/>
+            <a:endCxn id="8" idx="2"/>
+          </p:cNvCxnSpPr>
+          <p:nvPr/>
+        </p:nvCxnSpPr>
+        <p:spPr>
+          <a:xfrm rot="10800000">
+            <a:off x="1638953" y="3628338"/>
+            <a:ext cx="123344" cy="336178"/>
+          </a:xfrm>
+          <a:prstGeom prst="bentConnector2">
+            <a:avLst/>
+          </a:prstGeom>
+          <a:ln>
+            <a:tailEnd type="triangle"/>
+          </a:ln>
+        </p:spPr>
+        <p:style>
+          <a:lnRef idx="1">
+            <a:schemeClr val="dk1"/>
+          </a:lnRef>
+          <a:fillRef idx="0">
+            <a:schemeClr val="dk1"/>
+          </a:fillRef>
+          <a:effectRef idx="0">
+            <a:schemeClr val="dk1"/>
+          </a:effectRef>
+          <a:fontRef idx="minor">
+            <a:schemeClr val="tx1"/>
+          </a:fontRef>
+        </p:style>
+      </p:cxnSp>
     </p:spTree>
     <p:extLst>
       <p:ext uri="{BB962C8B-B14F-4D97-AF65-F5344CB8AC3E}">
@@ -7411,23 +7563,8 @@
                 </a:solidFill>
                 <a:latin typeface="Arial" panose="020B0604020202020204" pitchFamily="34" charset="0"/>
               </a:rPr>
-              <a:t>Dual </a:t>
-            </a:r>
-            <a:r>
-              <a:rPr lang="en-US" altLang="ko-KR" sz="2800" dirty="0" smtClean="0">
-                <a:solidFill>
-                  <a:schemeClr val="bg1"/>
-                </a:solidFill>
-                <a:latin typeface="Arial" panose="020B0604020202020204" pitchFamily="34" charset="0"/>
-              </a:rPr>
-              <a:t>Lock-In Design</a:t>
-            </a:r>
-            <a:endParaRPr lang="en-US" altLang="ko-KR" sz="2800" dirty="0" smtClean="0">
-              <a:solidFill>
-                <a:schemeClr val="bg1"/>
-              </a:solidFill>
-              <a:latin typeface="Arial" panose="020B0604020202020204" pitchFamily="34" charset="0"/>
-            </a:endParaRPr>
+              <a:t>Dual Lock-In Design</a:t>
+            </a:r>
           </a:p>
         </p:txBody>
       </p:sp>
@@ -7479,13 +7616,62 @@
       </p:sp>
       <p:sp>
         <p:nvSpPr>
-          <p:cNvPr id="17" name="TextBox 16"/>
+          <p:cNvPr id="8" name="직사각형 7"/>
+          <p:cNvSpPr/>
+          <p:nvPr/>
+        </p:nvSpPr>
+        <p:spPr>
+          <a:xfrm>
+            <a:off x="720969" y="6172900"/>
+            <a:ext cx="4572000" cy="230832"/>
+          </a:xfrm>
+          <a:prstGeom prst="rect">
+            <a:avLst/>
+          </a:prstGeom>
+        </p:spPr>
+        <p:txBody>
+          <a:bodyPr>
+            <a:spAutoFit/>
+          </a:bodyPr>
+          <a:lstStyle/>
+          <a:p>
+            <a:r>
+              <a:rPr lang="en-US" altLang="ko-KR" sz="900" i="1" dirty="0" smtClean="0">
+                <a:latin typeface="Times New Roman" panose="02020603050405020304" pitchFamily="18" charset="0"/>
+                <a:cs typeface="Times New Roman" panose="02020603050405020304" pitchFamily="18" charset="0"/>
+              </a:rPr>
+              <a:t>Review of Scientific Instruments 56, 1662 (1985); </a:t>
+            </a:r>
+            <a:r>
+              <a:rPr lang="en-US" altLang="ko-KR" sz="900" i="1" dirty="0" err="1" smtClean="0">
+                <a:latin typeface="Times New Roman" panose="02020603050405020304" pitchFamily="18" charset="0"/>
+                <a:cs typeface="Times New Roman" panose="02020603050405020304" pitchFamily="18" charset="0"/>
+              </a:rPr>
+              <a:t>doi</a:t>
+            </a:r>
+            <a:r>
+              <a:rPr lang="en-US" altLang="ko-KR" sz="900" i="1" dirty="0" smtClean="0">
+                <a:latin typeface="Times New Roman" panose="02020603050405020304" pitchFamily="18" charset="0"/>
+                <a:cs typeface="Times New Roman" panose="02020603050405020304" pitchFamily="18" charset="0"/>
+              </a:rPr>
+              <a:t>: 10. 1063/1.1138121</a:t>
+            </a:r>
+            <a:endParaRPr lang="ko-KR" altLang="en-US" sz="900" i="1" dirty="0">
+              <a:latin typeface="Times New Roman" panose="02020603050405020304" pitchFamily="18" charset="0"/>
+              <a:cs typeface="Times New Roman" panose="02020603050405020304" pitchFamily="18" charset="0"/>
+            </a:endParaRPr>
+          </a:p>
+        </p:txBody>
+      </p:sp>
+      <p:sp>
+        <p:nvSpPr>
+          <p:cNvPr id="9" name="TextBox 8"/>
           <p:cNvSpPr txBox="1"/>
           <p:nvPr/>
         </p:nvSpPr>
         <p:spPr>
           <a:xfrm>
-            <a:off x="720969" y="752702"/>
+            <a:off x="720969" y="855128"/>
             <a:ext cx="2853504" cy="400110"/>
           </a:xfrm>
           <a:prstGeom prst="rect">
@@ -7505,14 +7691,14 @@
                   <a:srgbClr val="3333FF"/>
                 </a:solidFill>
               </a:rPr>
-              <a:t>Patent Data</a:t>
+              <a:t>Paper</a:t>
             </a:r>
           </a:p>
         </p:txBody>
       </p:sp>
       <p:pic>
         <p:nvPicPr>
-          <p:cNvPr id="3" name="그림 2"/>
+          <p:cNvPr id="5" name="그림 4"/>
           <p:cNvPicPr>
             <a:picLocks noChangeAspect="1"/>
           </p:cNvPicPr>
@@ -7526,135 +7712,7 @@
         </p:blipFill>
         <p:spPr>
           <a:xfrm>
-            <a:off x="848331" y="1152813"/>
-            <a:ext cx="2611952" cy="1897958"/>
-          </a:xfrm>
-          <a:prstGeom prst="rect">
-            <a:avLst/>
-          </a:prstGeom>
-        </p:spPr>
-      </p:pic>
-      <p:sp>
-        <p:nvSpPr>
-          <p:cNvPr id="8" name="직사각형 7"/>
-          <p:cNvSpPr/>
-          <p:nvPr/>
-        </p:nvSpPr>
-        <p:spPr>
-          <a:xfrm>
-            <a:off x="720969" y="6044829"/>
-            <a:ext cx="4572000" cy="369332"/>
-          </a:xfrm>
-          <a:prstGeom prst="rect">
-            <a:avLst/>
-          </a:prstGeom>
-        </p:spPr>
-        <p:txBody>
-          <a:bodyPr>
-            <a:spAutoFit/>
-          </a:bodyPr>
-          <a:lstStyle/>
-          <a:p>
-            <a:r>
-              <a:rPr lang="en-US" altLang="ko-KR" sz="900" i="1" dirty="0">
-                <a:solidFill>
-                  <a:srgbClr val="333333"/>
-                </a:solidFill>
-                <a:latin typeface="Times New Roman" panose="02020603050405020304" pitchFamily="18" charset="0"/>
-                <a:cs typeface="Times New Roman" panose="02020603050405020304" pitchFamily="18" charset="0"/>
-              </a:rPr>
-              <a:t>U.S. Patent No. US 7590196 B2. (2005). Washington, DC: U.S. Patent and Trademark Office</a:t>
-            </a:r>
-            <a:r>
-              <a:rPr lang="en-US" altLang="ko-KR" sz="900" i="1" dirty="0" smtClean="0">
-                <a:solidFill>
-                  <a:srgbClr val="333333"/>
-                </a:solidFill>
-                <a:latin typeface="Times New Roman" panose="02020603050405020304" pitchFamily="18" charset="0"/>
-                <a:cs typeface="Times New Roman" panose="02020603050405020304" pitchFamily="18" charset="0"/>
-              </a:rPr>
-              <a:t>.</a:t>
-            </a:r>
-          </a:p>
-          <a:p>
-            <a:r>
-              <a:rPr lang="en-US" altLang="ko-KR" sz="900" i="1" dirty="0" smtClean="0">
-                <a:latin typeface="Times New Roman" panose="02020603050405020304" pitchFamily="18" charset="0"/>
-                <a:cs typeface="Times New Roman" panose="02020603050405020304" pitchFamily="18" charset="0"/>
-              </a:rPr>
-              <a:t>Review of Scientific Instruments 56, 1662 (1985); </a:t>
-            </a:r>
-            <a:r>
-              <a:rPr lang="en-US" altLang="ko-KR" sz="900" i="1" dirty="0" err="1" smtClean="0">
-                <a:latin typeface="Times New Roman" panose="02020603050405020304" pitchFamily="18" charset="0"/>
-                <a:cs typeface="Times New Roman" panose="02020603050405020304" pitchFamily="18" charset="0"/>
-              </a:rPr>
-              <a:t>doi</a:t>
-            </a:r>
-            <a:r>
-              <a:rPr lang="en-US" altLang="ko-KR" sz="900" i="1" dirty="0" smtClean="0">
-                <a:latin typeface="Times New Roman" panose="02020603050405020304" pitchFamily="18" charset="0"/>
-                <a:cs typeface="Times New Roman" panose="02020603050405020304" pitchFamily="18" charset="0"/>
-              </a:rPr>
-              <a:t>: 10. 1063/1.1138121</a:t>
-            </a:r>
-            <a:endParaRPr lang="ko-KR" altLang="en-US" sz="900" i="1" dirty="0">
-              <a:latin typeface="Times New Roman" panose="02020603050405020304" pitchFamily="18" charset="0"/>
-              <a:cs typeface="Times New Roman" panose="02020603050405020304" pitchFamily="18" charset="0"/>
-            </a:endParaRPr>
-          </a:p>
-        </p:txBody>
-      </p:sp>
-      <p:sp>
-        <p:nvSpPr>
-          <p:cNvPr id="9" name="TextBox 8"/>
-          <p:cNvSpPr txBox="1"/>
-          <p:nvPr/>
-        </p:nvSpPr>
-        <p:spPr>
-          <a:xfrm>
-            <a:off x="720969" y="3243005"/>
-            <a:ext cx="2853504" cy="400110"/>
-          </a:xfrm>
-          <a:prstGeom prst="rect">
-            <a:avLst/>
-          </a:prstGeom>
-          <a:noFill/>
-        </p:spPr>
-        <p:txBody>
-          <a:bodyPr wrap="square" rtlCol="0">
-            <a:spAutoFit/>
-          </a:bodyPr>
-          <a:lstStyle/>
-          <a:p>
-            <a:r>
-              <a:rPr lang="en-US" altLang="ko-KR" sz="2000" dirty="0" smtClean="0">
-                <a:solidFill>
-                  <a:srgbClr val="3333FF"/>
-                </a:solidFill>
-              </a:rPr>
-              <a:t>Paper</a:t>
-            </a:r>
-          </a:p>
-        </p:txBody>
-      </p:sp>
-      <p:pic>
-        <p:nvPicPr>
-          <p:cNvPr id="5" name="그림 4"/>
-          <p:cNvPicPr>
-            <a:picLocks noChangeAspect="1"/>
-          </p:cNvPicPr>
-          <p:nvPr/>
-        </p:nvPicPr>
-        <p:blipFill>
-          <a:blip r:embed="rId4"/>
-          <a:stretch>
-            <a:fillRect/>
-          </a:stretch>
-        </p:blipFill>
-        <p:spPr>
-          <a:xfrm>
-            <a:off x="720969" y="3643114"/>
+            <a:off x="1927977" y="1255237"/>
             <a:ext cx="2578775" cy="1440000"/>
           </a:xfrm>
           <a:prstGeom prst="rect">
@@ -7671,6 +7729,88 @@
           <p:nvPr/>
         </p:nvPicPr>
         <p:blipFill>
+          <a:blip r:embed="rId4"/>
+          <a:stretch>
+            <a:fillRect/>
+          </a:stretch>
+        </p:blipFill>
+        <p:spPr>
+          <a:xfrm>
+            <a:off x="4541921" y="1055183"/>
+            <a:ext cx="2548258" cy="1609787"/>
+          </a:xfrm>
+          <a:prstGeom prst="rect">
+            <a:avLst/>
+          </a:prstGeom>
+        </p:spPr>
+      </p:pic>
+      <p:sp>
+        <p:nvSpPr>
+          <p:cNvPr id="11" name="TextBox 10"/>
+          <p:cNvSpPr txBox="1"/>
+          <p:nvPr/>
+        </p:nvSpPr>
+        <p:spPr>
+          <a:xfrm>
+            <a:off x="720969" y="4462331"/>
+            <a:ext cx="7340381" cy="1477328"/>
+          </a:xfrm>
+          <a:prstGeom prst="rect">
+            <a:avLst/>
+          </a:prstGeom>
+          <a:noFill/>
+        </p:spPr>
+        <p:txBody>
+          <a:bodyPr wrap="square" rtlCol="0">
+            <a:spAutoFit/>
+          </a:bodyPr>
+          <a:lstStyle/>
+          <a:p>
+            <a:r>
+              <a:rPr lang="en-US" altLang="ko-KR" dirty="0" smtClean="0">
+                <a:sym typeface="Wingdings" panose="05000000000000000000" pitchFamily="2" charset="2"/>
+              </a:rPr>
+              <a:t>Input Signal (1) + Reference Signal (2) = 3 Inputs</a:t>
+            </a:r>
+          </a:p>
+          <a:p>
+            <a:endParaRPr lang="en-US" altLang="ko-KR" dirty="0" smtClean="0">
+              <a:sym typeface="Wingdings" panose="05000000000000000000" pitchFamily="2" charset="2"/>
+            </a:endParaRPr>
+          </a:p>
+          <a:p>
+            <a:r>
+              <a:rPr lang="en-US" altLang="ko-KR" dirty="0" smtClean="0">
+                <a:sym typeface="Wingdings" panose="05000000000000000000" pitchFamily="2" charset="2"/>
+              </a:rPr>
+              <a:t>Input 1,2: 50MHz Bandwidth, 210MSamples/s</a:t>
+            </a:r>
+          </a:p>
+          <a:p>
+            <a:r>
+              <a:rPr lang="en-US" altLang="ko-KR" dirty="0" smtClean="0">
+                <a:sym typeface="Wingdings" panose="05000000000000000000" pitchFamily="2" charset="2"/>
+              </a:rPr>
+              <a:t>Aux 1, 2: 20kHz Bandwidth, 400kSamples/s</a:t>
+            </a:r>
+          </a:p>
+          <a:p>
+            <a:r>
+              <a:rPr lang="en-US" altLang="ko-KR" dirty="0" smtClean="0"/>
+              <a:t>DIO 1, 2: 2MHz Bandwidth</a:t>
+            </a:r>
+          </a:p>
+        </p:txBody>
+      </p:sp>
+      <p:pic>
+        <p:nvPicPr>
+          <p:cNvPr id="4" name="그림 3"/>
+          <p:cNvPicPr>
+            <a:picLocks noChangeAspect="1"/>
+          </p:cNvPicPr>
+          <p:nvPr/>
+        </p:nvPicPr>
+        <p:blipFill>
           <a:blip r:embed="rId5"/>
           <a:stretch>
             <a:fillRect/>
@@ -7678,8 +7818,8 @@
         </p:blipFill>
         <p:spPr>
           <a:xfrm>
-            <a:off x="3334913" y="3443060"/>
-            <a:ext cx="2548258" cy="1609787"/>
+            <a:off x="1990725" y="2853192"/>
+            <a:ext cx="5162550" cy="1390650"/>
           </a:xfrm>
           <a:prstGeom prst="rect">
             <a:avLst/>
